--- a/relatedwork/fig/ig.pptx
+++ b/relatedwork/fig/ig.pptx
@@ -290,7 +290,7 @@
           <a:p>
             <a:fld id="{7C373AE6-9E90-4C3C-89FF-81A7C3686678}" type="datetimeFigureOut">
               <a:rPr lang="en-US" smtClean="0"/>
-              <a:t>4/19/2016</a:t>
+              <a:t>4/13/2017</a:t>
             </a:fld>
             <a:endParaRPr lang="en-US"/>
           </a:p>
@@ -460,7 +460,7 @@
           <a:p>
             <a:fld id="{7C373AE6-9E90-4C3C-89FF-81A7C3686678}" type="datetimeFigureOut">
               <a:rPr lang="en-US" smtClean="0"/>
-              <a:t>4/19/2016</a:t>
+              <a:t>4/13/2017</a:t>
             </a:fld>
             <a:endParaRPr lang="en-US"/>
           </a:p>
@@ -640,7 +640,7 @@
           <a:p>
             <a:fld id="{7C373AE6-9E90-4C3C-89FF-81A7C3686678}" type="datetimeFigureOut">
               <a:rPr lang="en-US" smtClean="0"/>
-              <a:t>4/19/2016</a:t>
+              <a:t>4/13/2017</a:t>
             </a:fld>
             <a:endParaRPr lang="en-US"/>
           </a:p>
@@ -810,7 +810,7 @@
           <a:p>
             <a:fld id="{7C373AE6-9E90-4C3C-89FF-81A7C3686678}" type="datetimeFigureOut">
               <a:rPr lang="en-US" smtClean="0"/>
-              <a:t>4/19/2016</a:t>
+              <a:t>4/13/2017</a:t>
             </a:fld>
             <a:endParaRPr lang="en-US"/>
           </a:p>
@@ -1056,7 +1056,7 @@
           <a:p>
             <a:fld id="{7C373AE6-9E90-4C3C-89FF-81A7C3686678}" type="datetimeFigureOut">
               <a:rPr lang="en-US" smtClean="0"/>
-              <a:t>4/19/2016</a:t>
+              <a:t>4/13/2017</a:t>
             </a:fld>
             <a:endParaRPr lang="en-US"/>
           </a:p>
@@ -1344,7 +1344,7 @@
           <a:p>
             <a:fld id="{7C373AE6-9E90-4C3C-89FF-81A7C3686678}" type="datetimeFigureOut">
               <a:rPr lang="en-US" smtClean="0"/>
-              <a:t>4/19/2016</a:t>
+              <a:t>4/13/2017</a:t>
             </a:fld>
             <a:endParaRPr lang="en-US"/>
           </a:p>
@@ -1766,7 +1766,7 @@
           <a:p>
             <a:fld id="{7C373AE6-9E90-4C3C-89FF-81A7C3686678}" type="datetimeFigureOut">
               <a:rPr lang="en-US" smtClean="0"/>
-              <a:t>4/19/2016</a:t>
+              <a:t>4/13/2017</a:t>
             </a:fld>
             <a:endParaRPr lang="en-US"/>
           </a:p>
@@ -1884,7 +1884,7 @@
           <a:p>
             <a:fld id="{7C373AE6-9E90-4C3C-89FF-81A7C3686678}" type="datetimeFigureOut">
               <a:rPr lang="en-US" smtClean="0"/>
-              <a:t>4/19/2016</a:t>
+              <a:t>4/13/2017</a:t>
             </a:fld>
             <a:endParaRPr lang="en-US"/>
           </a:p>
@@ -1979,7 +1979,7 @@
           <a:p>
             <a:fld id="{7C373AE6-9E90-4C3C-89FF-81A7C3686678}" type="datetimeFigureOut">
               <a:rPr lang="en-US" smtClean="0"/>
-              <a:t>4/19/2016</a:t>
+              <a:t>4/13/2017</a:t>
             </a:fld>
             <a:endParaRPr lang="en-US"/>
           </a:p>
@@ -2256,7 +2256,7 @@
           <a:p>
             <a:fld id="{7C373AE6-9E90-4C3C-89FF-81A7C3686678}" type="datetimeFigureOut">
               <a:rPr lang="en-US" smtClean="0"/>
-              <a:t>4/19/2016</a:t>
+              <a:t>4/13/2017</a:t>
             </a:fld>
             <a:endParaRPr lang="en-US"/>
           </a:p>
@@ -2509,7 +2509,7 @@
           <a:p>
             <a:fld id="{7C373AE6-9E90-4C3C-89FF-81A7C3686678}" type="datetimeFigureOut">
               <a:rPr lang="en-US" smtClean="0"/>
-              <a:t>4/19/2016</a:t>
+              <a:t>4/13/2017</a:t>
             </a:fld>
             <a:endParaRPr lang="en-US"/>
           </a:p>
@@ -2722,7 +2722,7 @@
           <a:p>
             <a:fld id="{7C373AE6-9E90-4C3C-89FF-81A7C3686678}" type="datetimeFigureOut">
               <a:rPr lang="en-US" smtClean="0"/>
-              <a:t>4/19/2016</a:t>
+              <a:t>4/13/2017</a:t>
             </a:fld>
             <a:endParaRPr lang="en-US"/>
           </a:p>
@@ -5857,12 +5857,12 @@
             <a:p>
               <a:pPr algn="ctr"/>
               <a:r>
-                <a:rPr lang="en-CA" dirty="0" err="1" smtClean="0">
+                <a:rPr lang="en-CA" dirty="0" smtClean="0">
                   <a:solidFill>
                     <a:schemeClr val="tx1"/>
                   </a:solidFill>
                 </a:rPr>
-                <a:t>Muilti</a:t>
+                <a:t>Multi </a:t>
               </a:r>
               <a:r>
                 <a:rPr lang="en-CA" dirty="0" smtClean="0">
@@ -5870,7 +5870,7 @@
                     <a:schemeClr val="tx1"/>
                   </a:solidFill>
                 </a:rPr>
-                <a:t> Source</a:t>
+                <a:t>Source</a:t>
               </a:r>
             </a:p>
             <a:p>
